--- a/Documentacao/ModelagemSistema_TemplateInicial.pptx
+++ b/Documentacao/ModelagemSistema_TemplateInicial.pptx
@@ -6531,7 +6531,7 @@
                 <a16:creationId xmlns:a16="http://schemas.microsoft.com/office/drawing/2014/main" id="{6E448DB1-4196-18A6-15DA-C72635C1B11E}"/>
               </a:ext>
               <a:ext uri="{C183D7F6-B498-43B3-948B-1728B52AA6E4}">
-                <adec:decorative xmlns:adec="http://schemas.microsoft.com/office/drawing/2017/decorative" xmlns="" val="1"/>
+                <adec:decorative xmlns="" xmlns:adec="http://schemas.microsoft.com/office/drawing/2017/decorative" val="1"/>
               </a:ext>
             </a:extLst>
           </p:cNvPr>
@@ -6639,7 +6639,7 @@
                 <a16:creationId xmlns:a16="http://schemas.microsoft.com/office/drawing/2014/main" id="{76A10D8F-D463-70E5-239B-17AD65EF433D}"/>
               </a:ext>
               <a:ext uri="{C183D7F6-B498-43B3-948B-1728B52AA6E4}">
-                <adec:decorative xmlns:adec="http://schemas.microsoft.com/office/drawing/2017/decorative" xmlns="" val="1"/>
+                <adec:decorative xmlns="" xmlns:adec="http://schemas.microsoft.com/office/drawing/2017/decorative" val="1"/>
               </a:ext>
             </a:extLst>
           </p:cNvPr>
@@ -7101,7 +7101,7 @@
                 <a16:creationId xmlns:a16="http://schemas.microsoft.com/office/drawing/2014/main" id="{74EA76C7-8C08-E029-0E79-750B71C94A62}"/>
               </a:ext>
               <a:ext uri="{C183D7F6-B498-43B3-948B-1728B52AA6E4}">
-                <adec:decorative xmlns:adec="http://schemas.microsoft.com/office/drawing/2017/decorative" xmlns="" val="1"/>
+                <adec:decorative xmlns="" xmlns:adec="http://schemas.microsoft.com/office/drawing/2017/decorative" val="1"/>
               </a:ext>
             </a:extLst>
           </p:cNvPr>
@@ -7240,7 +7240,7 @@
             <p:ph sz="half" idx="2"/>
             <p:extLst>
               <p:ext uri="{E7BDC344-281C-4309-B0C6-D0EE65EED2A8}">
-                <p202:designPr xmlns:p202="http://schemas.microsoft.com/office/powerpoint/2020/02/main" xmlns="">
+                <p202:designPr xmlns="" xmlns:p202="http://schemas.microsoft.com/office/powerpoint/2020/02/main">
                   <p202:designTagLst>
                     <p202:designTag name="ARCH:1:CLS" val="InformationBlock"/>
                     <p202:designTag name="ARCH:1:VSVAR" val="TitledTextBox"/>
@@ -7536,7 +7536,7 @@
                 <a16:creationId xmlns:a16="http://schemas.microsoft.com/office/drawing/2014/main" id="{74EA76C7-8C08-E029-0E79-750B71C94A62}"/>
               </a:ext>
               <a:ext uri="{C183D7F6-B498-43B3-948B-1728B52AA6E4}">
-                <adec:decorative xmlns:adec="http://schemas.microsoft.com/office/drawing/2017/decorative" xmlns="" val="1"/>
+                <adec:decorative xmlns="" xmlns:adec="http://schemas.microsoft.com/office/drawing/2017/decorative" val="1"/>
               </a:ext>
             </a:extLst>
           </p:cNvPr>
@@ -8297,7 +8297,7 @@
                 <a16:creationId xmlns:a16="http://schemas.microsoft.com/office/drawing/2014/main" id="{5E8D3B17-7638-DFD3-18E4-8A6D611749CF}"/>
               </a:ext>
               <a:ext uri="{C183D7F6-B498-43B3-948B-1728B52AA6E4}">
-                <adec:decorative xmlns:adec="http://schemas.microsoft.com/office/drawing/2017/decorative" xmlns="" val="1"/>
+                <adec:decorative xmlns="" xmlns:adec="http://schemas.microsoft.com/office/drawing/2017/decorative" val="1"/>
               </a:ext>
             </a:extLst>
           </p:cNvPr>
@@ -8732,7 +8732,7 @@
                 <a16:creationId xmlns:a16="http://schemas.microsoft.com/office/drawing/2014/main" id="{B8ADE68D-5E75-5D63-4B8C-6BEFCE9D06E3}"/>
               </a:ext>
               <a:ext uri="{C183D7F6-B498-43B3-948B-1728B52AA6E4}">
-                <adec:decorative xmlns:adec="http://schemas.microsoft.com/office/drawing/2017/decorative" xmlns="" val="1"/>
+                <adec:decorative xmlns="" xmlns:adec="http://schemas.microsoft.com/office/drawing/2017/decorative" val="1"/>
               </a:ext>
             </a:extLst>
           </p:cNvPr>
@@ -10459,7 +10459,7 @@
                 <a16:creationId xmlns:a16="http://schemas.microsoft.com/office/drawing/2014/main" id="{8450EF29-A29A-9417-2B09-074C04064425}"/>
               </a:ext>
               <a:ext uri="{C183D7F6-B498-43B3-948B-1728B52AA6E4}">
-                <adec:decorative xmlns:adec="http://schemas.microsoft.com/office/drawing/2017/decorative" xmlns="" val="1"/>
+                <adec:decorative xmlns="" xmlns:adec="http://schemas.microsoft.com/office/drawing/2017/decorative" val="1"/>
               </a:ext>
             </a:extLst>
           </p:cNvPr>
@@ -11116,7 +11116,7 @@
                 <a16:creationId xmlns:a16="http://schemas.microsoft.com/office/drawing/2014/main" id="{8450EF29-A29A-9417-2B09-074C04064425}"/>
               </a:ext>
               <a:ext uri="{C183D7F6-B498-43B3-948B-1728B52AA6E4}">
-                <adec:decorative xmlns:adec="http://schemas.microsoft.com/office/drawing/2017/decorative" xmlns="" val="1"/>
+                <adec:decorative xmlns="" xmlns:adec="http://schemas.microsoft.com/office/drawing/2017/decorative" val="1"/>
               </a:ext>
             </a:extLst>
           </p:cNvPr>
@@ -11808,7 +11808,7 @@
                 <a16:creationId xmlns:a16="http://schemas.microsoft.com/office/drawing/2014/main" id="{8450EF29-A29A-9417-2B09-074C04064425}"/>
               </a:ext>
               <a:ext uri="{C183D7F6-B498-43B3-948B-1728B52AA6E4}">
-                <adec:decorative xmlns:adec="http://schemas.microsoft.com/office/drawing/2017/decorative" xmlns="" val="1"/>
+                <adec:decorative xmlns="" xmlns:adec="http://schemas.microsoft.com/office/drawing/2017/decorative" val="1"/>
               </a:ext>
             </a:extLst>
           </p:cNvPr>
@@ -12513,7 +12513,7 @@
                 <a16:creationId xmlns:a16="http://schemas.microsoft.com/office/drawing/2014/main" id="{8450EF29-A29A-9417-2B09-074C04064425}"/>
               </a:ext>
               <a:ext uri="{C183D7F6-B498-43B3-948B-1728B52AA6E4}">
-                <adec:decorative xmlns:adec="http://schemas.microsoft.com/office/drawing/2017/decorative" xmlns="" val="1"/>
+                <adec:decorative xmlns="" xmlns:adec="http://schemas.microsoft.com/office/drawing/2017/decorative" val="1"/>
               </a:ext>
             </a:extLst>
           </p:cNvPr>
@@ -13218,7 +13218,7 @@
                 <a16:creationId xmlns:a16="http://schemas.microsoft.com/office/drawing/2014/main" id="{8450EF29-A29A-9417-2B09-074C04064425}"/>
               </a:ext>
               <a:ext uri="{C183D7F6-B498-43B3-948B-1728B52AA6E4}">
-                <adec:decorative xmlns:adec="http://schemas.microsoft.com/office/drawing/2017/decorative" xmlns="" val="1"/>
+                <adec:decorative xmlns="" xmlns:adec="http://schemas.microsoft.com/office/drawing/2017/decorative" val="1"/>
               </a:ext>
             </a:extLst>
           </p:cNvPr>
@@ -13869,7 +13869,7 @@
                 <a16:creationId xmlns:a16="http://schemas.microsoft.com/office/drawing/2014/main" id="{8450EF29-A29A-9417-2B09-074C04064425}"/>
               </a:ext>
               <a:ext uri="{C183D7F6-B498-43B3-948B-1728B52AA6E4}">
-                <adec:decorative xmlns:adec="http://schemas.microsoft.com/office/drawing/2017/decorative" xmlns="" val="1"/>
+                <adec:decorative xmlns="" xmlns:adec="http://schemas.microsoft.com/office/drawing/2017/decorative" val="1"/>
               </a:ext>
             </a:extLst>
           </p:cNvPr>
@@ -14541,7 +14541,7 @@
                 <a16:creationId xmlns:a16="http://schemas.microsoft.com/office/drawing/2014/main" id="{5E8D3B17-7638-DFD3-18E4-8A6D611749CF}"/>
               </a:ext>
               <a:ext uri="{C183D7F6-B498-43B3-948B-1728B52AA6E4}">
-                <adec:decorative xmlns:adec="http://schemas.microsoft.com/office/drawing/2017/decorative" xmlns="" val="1"/>
+                <adec:decorative xmlns="" xmlns:adec="http://schemas.microsoft.com/office/drawing/2017/decorative" val="1"/>
               </a:ext>
             </a:extLst>
           </p:cNvPr>
@@ -14750,7 +14750,7 @@
             <p:ph sz="half" idx="2"/>
             <p:extLst>
               <p:ext uri="{E7BDC344-281C-4309-B0C6-D0EE65EED2A8}">
-                <p202:designPr xmlns:p202="http://schemas.microsoft.com/office/powerpoint/2020/02/main" xmlns="">
+                <p202:designPr xmlns="" xmlns:p202="http://schemas.microsoft.com/office/powerpoint/2020/02/main">
                   <p202:designTagLst>
                     <p202:designTag name="ARCH:1:CLS" val="InformationBlock"/>
                     <p202:designTag name="ARCH:1:VSVAR" val="TitledTextBox"/>
@@ -15008,7 +15008,7 @@
                 <a16:creationId xmlns:a16="http://schemas.microsoft.com/office/drawing/2014/main" id="{8450EF29-A29A-9417-2B09-074C04064425}"/>
               </a:ext>
               <a:ext uri="{C183D7F6-B498-43B3-948B-1728B52AA6E4}">
-                <adec:decorative xmlns:adec="http://schemas.microsoft.com/office/drawing/2017/decorative" xmlns="" val="1"/>
+                <adec:decorative xmlns="" xmlns:adec="http://schemas.microsoft.com/office/drawing/2017/decorative" val="1"/>
               </a:ext>
             </a:extLst>
           </p:cNvPr>
@@ -15674,7 +15674,7 @@
                 <a16:creationId xmlns:a16="http://schemas.microsoft.com/office/drawing/2014/main" id="{8450EF29-A29A-9417-2B09-074C04064425}"/>
               </a:ext>
               <a:ext uri="{C183D7F6-B498-43B3-948B-1728B52AA6E4}">
-                <adec:decorative xmlns:adec="http://schemas.microsoft.com/office/drawing/2017/decorative" xmlns="" val="1"/>
+                <adec:decorative xmlns="" xmlns:adec="http://schemas.microsoft.com/office/drawing/2017/decorative" val="1"/>
               </a:ext>
             </a:extLst>
           </p:cNvPr>
@@ -16350,7 +16350,7 @@
                 <a16:creationId xmlns:a16="http://schemas.microsoft.com/office/drawing/2014/main" id="{5E8D3B17-7638-DFD3-18E4-8A6D611749CF}"/>
               </a:ext>
               <a:ext uri="{C183D7F6-B498-43B3-948B-1728B52AA6E4}">
-                <adec:decorative xmlns:adec="http://schemas.microsoft.com/office/drawing/2017/decorative" xmlns="" val="1"/>
+                <adec:decorative xmlns="" xmlns:adec="http://schemas.microsoft.com/office/drawing/2017/decorative" val="1"/>
               </a:ext>
             </a:extLst>
           </p:cNvPr>
@@ -16510,7 +16510,7 @@
                 <a16:creationId xmlns:a16="http://schemas.microsoft.com/office/drawing/2014/main" id="{5E8D3B17-7638-DFD3-18E4-8A6D611749CF}"/>
               </a:ext>
               <a:ext uri="{C183D7F6-B498-43B3-948B-1728B52AA6E4}">
-                <adec:decorative xmlns:adec="http://schemas.microsoft.com/office/drawing/2017/decorative" xmlns="" val="1"/>
+                <adec:decorative xmlns="" xmlns:adec="http://schemas.microsoft.com/office/drawing/2017/decorative" val="1"/>
               </a:ext>
             </a:extLst>
           </p:cNvPr>
@@ -16754,7 +16754,7 @@
                 <a16:creationId xmlns:a16="http://schemas.microsoft.com/office/drawing/2014/main" id="{5E8D3B17-7638-DFD3-18E4-8A6D611749CF}"/>
               </a:ext>
               <a:ext uri="{C183D7F6-B498-43B3-948B-1728B52AA6E4}">
-                <adec:decorative xmlns:adec="http://schemas.microsoft.com/office/drawing/2017/decorative" xmlns="" val="1"/>
+                <adec:decorative xmlns="" xmlns:adec="http://schemas.microsoft.com/office/drawing/2017/decorative" val="1"/>
               </a:ext>
             </a:extLst>
           </p:cNvPr>
@@ -17766,7 +17766,7 @@
                 <a16:creationId xmlns:a16="http://schemas.microsoft.com/office/drawing/2014/main" id="{5E8D3B17-7638-DFD3-18E4-8A6D611749CF}"/>
               </a:ext>
               <a:ext uri="{C183D7F6-B498-43B3-948B-1728B52AA6E4}">
-                <adec:decorative xmlns:adec="http://schemas.microsoft.com/office/drawing/2017/decorative" xmlns="" val="1"/>
+                <adec:decorative xmlns="" xmlns:adec="http://schemas.microsoft.com/office/drawing/2017/decorative" val="1"/>
               </a:ext>
             </a:extLst>
           </p:cNvPr>
@@ -18497,7 +18497,7 @@
                 <a16:creationId xmlns:a16="http://schemas.microsoft.com/office/drawing/2014/main" id="{5E8D3B17-7638-DFD3-18E4-8A6D611749CF}"/>
               </a:ext>
               <a:ext uri="{C183D7F6-B498-43B3-948B-1728B52AA6E4}">
-                <adec:decorative xmlns:adec="http://schemas.microsoft.com/office/drawing/2017/decorative" xmlns="" val="1"/>
+                <adec:decorative xmlns="" xmlns:adec="http://schemas.microsoft.com/office/drawing/2017/decorative" val="1"/>
               </a:ext>
             </a:extLst>
           </p:cNvPr>
@@ -19364,7 +19364,7 @@
                 <a16:creationId xmlns:a16="http://schemas.microsoft.com/office/drawing/2014/main" id="{5E8D3B17-7638-DFD3-18E4-8A6D611749CF}"/>
               </a:ext>
               <a:ext uri="{C183D7F6-B498-43B3-948B-1728B52AA6E4}">
-                <adec:decorative xmlns:adec="http://schemas.microsoft.com/office/drawing/2017/decorative" xmlns="" val="1"/>
+                <adec:decorative xmlns="" xmlns:adec="http://schemas.microsoft.com/office/drawing/2017/decorative" val="1"/>
               </a:ext>
             </a:extLst>
           </p:cNvPr>
@@ -19501,7 +19501,7 @@
             <p:ph sz="half" idx="2"/>
             <p:extLst>
               <p:ext uri="{E7BDC344-281C-4309-B0C6-D0EE65EED2A8}">
-                <p202:designPr xmlns:p202="http://schemas.microsoft.com/office/powerpoint/2020/02/main" xmlns="">
+                <p202:designPr xmlns="" xmlns:p202="http://schemas.microsoft.com/office/powerpoint/2020/02/main">
                   <p202:designTagLst>
                     <p202:designTag name="ARCH:1:CLS" val="InformationBlock"/>
                     <p202:designTag name="ARCH:1:VSVAR" val="TitledTextBox"/>
@@ -19727,7 +19727,7 @@
                 <a16:creationId xmlns:a16="http://schemas.microsoft.com/office/drawing/2014/main" id="{5E8D3B17-7638-DFD3-18E4-8A6D611749CF}"/>
               </a:ext>
               <a:ext uri="{C183D7F6-B498-43B3-948B-1728B52AA6E4}">
-                <adec:decorative xmlns:adec="http://schemas.microsoft.com/office/drawing/2017/decorative" xmlns="" val="1"/>
+                <adec:decorative xmlns="" xmlns:adec="http://schemas.microsoft.com/office/drawing/2017/decorative" val="1"/>
               </a:ext>
             </a:extLst>
           </p:cNvPr>
@@ -19854,7 +19854,7 @@
             <p:ph sz="half" idx="2"/>
             <p:extLst>
               <p:ext uri="{E7BDC344-281C-4309-B0C6-D0EE65EED2A8}">
-                <p202:designPr xmlns:p202="http://schemas.microsoft.com/office/powerpoint/2020/02/main" xmlns="">
+                <p202:designPr xmlns="" xmlns:p202="http://schemas.microsoft.com/office/powerpoint/2020/02/main">
                   <p202:designTagLst>
                     <p202:designTag name="ARCH:1:CLS" val="InformationBlock"/>
                     <p202:designTag name="ARCH:1:VSVAR" val="TitledTextBox"/>
@@ -20171,7 +20171,7 @@
                 <a16:creationId xmlns:a16="http://schemas.microsoft.com/office/drawing/2014/main" id="{E1D40FB4-97DC-F5FF-9E7A-C10E078A1532}"/>
               </a:ext>
               <a:ext uri="{C183D7F6-B498-43B3-948B-1728B52AA6E4}">
-                <adec:decorative xmlns:adec="http://schemas.microsoft.com/office/drawing/2017/decorative" xmlns="" val="1"/>
+                <adec:decorative xmlns="" xmlns:adec="http://schemas.microsoft.com/office/drawing/2017/decorative" val="1"/>
               </a:ext>
             </a:extLst>
           </p:cNvPr>
@@ -20301,7 +20301,7 @@
             <p:ph sz="half" idx="2"/>
             <p:extLst>
               <p:ext uri="{E7BDC344-281C-4309-B0C6-D0EE65EED2A8}">
-                <p202:designPr xmlns:p202="http://schemas.microsoft.com/office/powerpoint/2020/02/main" xmlns="">
+                <p202:designPr xmlns="" xmlns:p202="http://schemas.microsoft.com/office/powerpoint/2020/02/main">
                   <p202:designTagLst>
                     <p202:designTag name="ARCH:1:CLS" val="InformationBlock"/>
                     <p202:designTag name="ARCH:1:VSVAR" val="TitledTextBox"/>
@@ -20559,7 +20559,7 @@
                 <a16:creationId xmlns:a16="http://schemas.microsoft.com/office/drawing/2014/main" id="{A51D6A68-C3BD-3399-CCA8-A7290FC8E09C}"/>
               </a:ext>
               <a:ext uri="{C183D7F6-B498-43B3-948B-1728B52AA6E4}">
-                <adec:decorative xmlns:adec="http://schemas.microsoft.com/office/drawing/2017/decorative" xmlns="" val="1"/>
+                <adec:decorative xmlns="" xmlns:adec="http://schemas.microsoft.com/office/drawing/2017/decorative" val="1"/>
               </a:ext>
             </a:extLst>
           </p:cNvPr>
@@ -20687,7 +20687,7 @@
             <p:ph sz="half" idx="2"/>
             <p:extLst>
               <p:ext uri="{E7BDC344-281C-4309-B0C6-D0EE65EED2A8}">
-                <p202:designPr xmlns:p202="http://schemas.microsoft.com/office/powerpoint/2020/02/main" xmlns="">
+                <p202:designPr xmlns="" xmlns:p202="http://schemas.microsoft.com/office/powerpoint/2020/02/main">
                   <p202:designTagLst>
                     <p202:designTag name="ARCH:1:CLS" val="InformationBlock"/>
                     <p202:designTag name="ARCH:1:VSVAR" val="TitledTextBox"/>
@@ -20945,7 +20945,7 @@
                 <a16:creationId xmlns:a16="http://schemas.microsoft.com/office/drawing/2014/main" id="{7F39A533-5E9C-439F-5CF1-06FFAB778C1F}"/>
               </a:ext>
               <a:ext uri="{C183D7F6-B498-43B3-948B-1728B52AA6E4}">
-                <adec:decorative xmlns:adec="http://schemas.microsoft.com/office/drawing/2017/decorative" xmlns="" val="1"/>
+                <adec:decorative xmlns="" xmlns:adec="http://schemas.microsoft.com/office/drawing/2017/decorative" val="1"/>
               </a:ext>
             </a:extLst>
           </p:cNvPr>
@@ -21073,7 +21073,7 @@
             <p:ph sz="half" idx="2"/>
             <p:extLst>
               <p:ext uri="{E7BDC344-281C-4309-B0C6-D0EE65EED2A8}">
-                <p202:designPr xmlns:p202="http://schemas.microsoft.com/office/powerpoint/2020/02/main" xmlns="">
+                <p202:designPr xmlns="" xmlns:p202="http://schemas.microsoft.com/office/powerpoint/2020/02/main">
                   <p202:designTagLst>
                     <p202:designTag name="ARCH:1:CLS" val="InformationBlock"/>
                     <p202:designTag name="ARCH:1:VSVAR" val="TitledTextBox"/>
@@ -21346,7 +21346,7 @@
                 <a16:creationId xmlns:a16="http://schemas.microsoft.com/office/drawing/2014/main" id="{A82A2D76-411A-C189-4AD9-642686996848}"/>
               </a:ext>
               <a:ext uri="{C183D7F6-B498-43B3-948B-1728B52AA6E4}">
-                <adec:decorative xmlns:adec="http://schemas.microsoft.com/office/drawing/2017/decorative" xmlns="" val="1"/>
+                <adec:decorative xmlns="" xmlns:adec="http://schemas.microsoft.com/office/drawing/2017/decorative" val="1"/>
               </a:ext>
             </a:extLst>
           </p:cNvPr>
@@ -21474,7 +21474,7 @@
             <p:ph sz="half" idx="2"/>
             <p:extLst>
               <p:ext uri="{E7BDC344-281C-4309-B0C6-D0EE65EED2A8}">
-                <p202:designPr xmlns:p202="http://schemas.microsoft.com/office/powerpoint/2020/02/main" xmlns="">
+                <p202:designPr xmlns="" xmlns:p202="http://schemas.microsoft.com/office/powerpoint/2020/02/main">
                   <p202:designTagLst>
                     <p202:designTag name="ARCH:1:CLS" val="InformationBlock"/>
                     <p202:designTag name="ARCH:1:VSVAR" val="TitledTextBox"/>
@@ -21735,7 +21735,7 @@
                 <a16:creationId xmlns:a16="http://schemas.microsoft.com/office/drawing/2014/main" id="{E482AA53-DA69-E258-8B64-8F8CE86FCDD4}"/>
               </a:ext>
               <a:ext uri="{C183D7F6-B498-43B3-948B-1728B52AA6E4}">
-                <adec:decorative xmlns:adec="http://schemas.microsoft.com/office/drawing/2017/decorative" xmlns="" val="1"/>
+                <adec:decorative xmlns="" xmlns:adec="http://schemas.microsoft.com/office/drawing/2017/decorative" val="1"/>
               </a:ext>
             </a:extLst>
           </p:cNvPr>
@@ -21863,7 +21863,7 @@
             <p:ph sz="half" idx="2"/>
             <p:extLst>
               <p:ext uri="{E7BDC344-281C-4309-B0C6-D0EE65EED2A8}">
-                <p202:designPr xmlns:p202="http://schemas.microsoft.com/office/powerpoint/2020/02/main" xmlns="">
+                <p202:designPr xmlns="" xmlns:p202="http://schemas.microsoft.com/office/powerpoint/2020/02/main">
                   <p202:designTagLst>
                     <p202:designTag name="ARCH:1:CLS" val="InformationBlock"/>
                     <p202:designTag name="ARCH:1:VSVAR" val="TitledTextBox"/>
@@ -22139,7 +22139,7 @@
                 <a16:creationId xmlns:a16="http://schemas.microsoft.com/office/drawing/2014/main" id="{5C27E16A-554C-D4AC-900E-AA69DDAEDE03}"/>
               </a:ext>
               <a:ext uri="{C183D7F6-B498-43B3-948B-1728B52AA6E4}">
-                <adec:decorative xmlns:adec="http://schemas.microsoft.com/office/drawing/2017/decorative" xmlns="" val="1"/>
+                <adec:decorative xmlns="" xmlns:adec="http://schemas.microsoft.com/office/drawing/2017/decorative" val="1"/>
               </a:ext>
             </a:extLst>
           </p:cNvPr>
@@ -22267,7 +22267,7 @@
             <p:ph sz="half" idx="2"/>
             <p:extLst>
               <p:ext uri="{E7BDC344-281C-4309-B0C6-D0EE65EED2A8}">
-                <p202:designPr xmlns:p202="http://schemas.microsoft.com/office/powerpoint/2020/02/main" xmlns="">
+                <p202:designPr xmlns="" xmlns:p202="http://schemas.microsoft.com/office/powerpoint/2020/02/main">
                   <p202:designTagLst>
                     <p202:designTag name="ARCH:1:CLS" val="InformationBlock"/>
                     <p202:designTag name="ARCH:1:VSVAR" val="TitledTextBox"/>
